--- a/documentazione/[IA] Presentazione Progetto (Danilo Gisolfi, Vincenzo Maiellaro).pptx
+++ b/documentazione/[IA] Presentazione Progetto (Danilo Gisolfi, Vincenzo Maiellaro).pptx
@@ -5,7 +5,7 @@
     <p:sldMasterId id="2147483648" r:id="rId1"/>
   </p:sldMasterIdLst>
   <p:notesMasterIdLst>
-    <p:notesMasterId r:id="rId17"/>
+    <p:notesMasterId r:id="rId18"/>
   </p:notesMasterIdLst>
   <p:sldIdLst>
     <p:sldId id="256" r:id="rId2"/>
@@ -19,10 +19,11 @@
     <p:sldId id="271" r:id="rId10"/>
     <p:sldId id="262" r:id="rId11"/>
     <p:sldId id="266" r:id="rId12"/>
-    <p:sldId id="274" r:id="rId13"/>
-    <p:sldId id="268" r:id="rId14"/>
-    <p:sldId id="272" r:id="rId15"/>
-    <p:sldId id="269" r:id="rId16"/>
+    <p:sldId id="275" r:id="rId13"/>
+    <p:sldId id="274" r:id="rId14"/>
+    <p:sldId id="268" r:id="rId15"/>
+    <p:sldId id="272" r:id="rId16"/>
+    <p:sldId id="269" r:id="rId17"/>
   </p:sldIdLst>
   <p:sldSz cx="12192000" cy="6858000"/>
   <p:notesSz cx="6858000" cy="9144000"/>
@@ -869,6 +870,189 @@
         <p:cNvPr id="1" name="">
           <a:extLst>
             <a:ext uri="{FF2B5EF4-FFF2-40B4-BE49-F238E27FC236}">
+              <a16:creationId xmlns:a16="http://schemas.microsoft.com/office/drawing/2014/main" id="{19A7976A-3BA4-C633-C568-EC80741D403A}"/>
+            </a:ext>
+          </a:extLst>
+        </p:cNvPr>
+        <p:cNvGrpSpPr/>
+        <p:nvPr/>
+      </p:nvGrpSpPr>
+      <p:grpSpPr>
+        <a:xfrm>
+          <a:off x="0" y="0"/>
+          <a:ext cx="0" cy="0"/>
+          <a:chOff x="0" y="0"/>
+          <a:chExt cx="0" cy="0"/>
+        </a:xfrm>
+      </p:grpSpPr>
+      <p:sp>
+        <p:nvSpPr>
+          <p:cNvPr id="2" name="Segnaposto immagine diapositiva 1">
+            <a:extLst>
+              <a:ext uri="{FF2B5EF4-FFF2-40B4-BE49-F238E27FC236}">
+                <a16:creationId xmlns:a16="http://schemas.microsoft.com/office/drawing/2014/main" id="{D878E5F2-C91C-42A0-92AA-322DE9D84A35}"/>
+              </a:ext>
+            </a:extLst>
+          </p:cNvPr>
+          <p:cNvSpPr>
+            <a:spLocks noGrp="1" noRot="1" noChangeAspect="1"/>
+          </p:cNvSpPr>
+          <p:nvPr>
+            <p:ph type="sldImg"/>
+          </p:nvPr>
+        </p:nvSpPr>
+        <p:spPr/>
+      </p:sp>
+      <p:sp>
+        <p:nvSpPr>
+          <p:cNvPr id="3" name="Segnaposto note 2">
+            <a:extLst>
+              <a:ext uri="{FF2B5EF4-FFF2-40B4-BE49-F238E27FC236}">
+                <a16:creationId xmlns:a16="http://schemas.microsoft.com/office/drawing/2014/main" id="{BF0477D3-D300-8669-530B-D9EE53771221}"/>
+              </a:ext>
+            </a:extLst>
+          </p:cNvPr>
+          <p:cNvSpPr>
+            <a:spLocks noGrp="1"/>
+          </p:cNvSpPr>
+          <p:nvPr>
+            <p:ph type="body" idx="1"/>
+          </p:nvPr>
+        </p:nvSpPr>
+        <p:spPr/>
+        <p:txBody>
+          <a:bodyPr/>
+          <a:lstStyle/>
+          <a:p>
+            <a:r>
+              <a:rPr lang="it-IT" dirty="0"/>
+              <a:t>Per valutare il sistema utilizziamo principalmente il numero di </a:t>
+            </a:r>
+            <a:r>
+              <a:rPr lang="it-IT" dirty="0" err="1"/>
+              <a:t>achievements</a:t>
+            </a:r>
+            <a:r>
+              <a:rPr lang="it-IT" dirty="0"/>
+              <a:t> medi per episodio, le curve di </a:t>
+            </a:r>
+            <a:r>
+              <a:rPr lang="it-IT" dirty="0" err="1"/>
+              <a:t>reward</a:t>
+            </a:r>
+            <a:r>
+              <a:rPr lang="it-IT" dirty="0"/>
+              <a:t> cumulativo e l'andamento delle metriche native vs </a:t>
+            </a:r>
+            <a:r>
+              <a:rPr lang="it-IT" dirty="0" err="1"/>
+              <a:t>shaped</a:t>
+            </a:r>
+            <a:r>
+              <a:rPr lang="it-IT" dirty="0"/>
+              <a:t> nel tempo. Gli script in `</a:t>
+            </a:r>
+            <a:r>
+              <a:rPr lang="it-IT" dirty="0" err="1"/>
+              <a:t>evaluation</a:t>
+            </a:r>
+            <a:r>
+              <a:rPr lang="it-IT" dirty="0"/>
+              <a:t>/` raccolgono e aggregano questi dati e generano plot comparativi in `</a:t>
+            </a:r>
+            <a:r>
+              <a:rPr lang="it-IT" dirty="0" err="1"/>
+              <a:t>evaluation_plots</a:t>
+            </a:r>
+            <a:r>
+              <a:rPr lang="it-IT" dirty="0"/>
+              <a:t>/`. È importante mostrare sia il comportamento grezzo (</a:t>
+            </a:r>
+            <a:r>
+              <a:rPr lang="it-IT" dirty="0" err="1"/>
+              <a:t>native_reward</a:t>
+            </a:r>
+            <a:r>
+              <a:rPr lang="it-IT" dirty="0"/>
+              <a:t>) sia lo </a:t>
+            </a:r>
+            <a:r>
+              <a:rPr lang="it-IT" dirty="0" err="1"/>
+              <a:t>shaped</a:t>
+            </a:r>
+            <a:r>
+              <a:rPr lang="it-IT" dirty="0"/>
+              <a:t> per capire se i miglioramenti derivano dallo shaping o dall'effettivo progresso di policy; questo permette anche analisi di tipo </a:t>
+            </a:r>
+            <a:r>
+              <a:rPr lang="it-IT" dirty="0" err="1"/>
+              <a:t>ablation</a:t>
+            </a:r>
+            <a:r>
+              <a:rPr lang="it-IT" dirty="0"/>
+              <a:t>. I risultati chiave mostrano che </a:t>
+            </a:r>
+            <a:r>
+              <a:rPr lang="it-IT" dirty="0" err="1"/>
+              <a:t>HeRoN</a:t>
+            </a:r>
+            <a:r>
+              <a:rPr lang="it-IT" dirty="0"/>
+              <a:t> ottiene 4.8 achievement medi per episodio rispetto ai 2.74 del DQN baseline, con un miglioramento del 75%, una coverage degli achievement del 72.7% contro il 36.4%, e una convergenza accelerata del 41.5%.</a:t>
+            </a:r>
+          </a:p>
+        </p:txBody>
+      </p:sp>
+      <p:sp>
+        <p:nvSpPr>
+          <p:cNvPr id="4" name="Segnaposto numero diapositiva 3">
+            <a:extLst>
+              <a:ext uri="{FF2B5EF4-FFF2-40B4-BE49-F238E27FC236}">
+                <a16:creationId xmlns:a16="http://schemas.microsoft.com/office/drawing/2014/main" id="{6DE3F039-A239-FA1A-C89E-ADCCAE73C8F8}"/>
+              </a:ext>
+            </a:extLst>
+          </p:cNvPr>
+          <p:cNvSpPr>
+            <a:spLocks noGrp="1"/>
+          </p:cNvSpPr>
+          <p:nvPr>
+            <p:ph type="sldNum" sz="quarter" idx="5"/>
+          </p:nvPr>
+        </p:nvSpPr>
+        <p:spPr/>
+        <p:txBody>
+          <a:bodyPr/>
+          <a:lstStyle/>
+          <a:p>
+            <a:fld id="{B99BEC60-B781-4BC8-A7BD-9914EA908A8F}" type="slidenum">
+              <a:rPr lang="it-IT" smtClean="0"/>
+              <a:t>12</a:t>
+            </a:fld>
+            <a:endParaRPr lang="it-IT"/>
+          </a:p>
+        </p:txBody>
+      </p:sp>
+    </p:spTree>
+    <p:extLst>
+      <p:ext uri="{BB962C8B-B14F-4D97-AF65-F5344CB8AC3E}">
+        <p14:creationId xmlns:p14="http://schemas.microsoft.com/office/powerpoint/2010/main" val="2260013828"/>
+      </p:ext>
+    </p:extLst>
+  </p:cSld>
+  <p:clrMapOvr>
+    <a:masterClrMapping/>
+  </p:clrMapOvr>
+</p:notes>
+</file>
+
+<file path=ppt/notesSlides/notesSlide13.xml><?xml version="1.0" encoding="utf-8"?>
+<p:notes xmlns:a="http://schemas.openxmlformats.org/drawingml/2006/main" xmlns:r="http://schemas.openxmlformats.org/officeDocument/2006/relationships" xmlns:p="http://schemas.openxmlformats.org/presentationml/2006/main">
+  <p:cSld>
+    <p:spTree>
+      <p:nvGrpSpPr>
+        <p:cNvPr id="1" name="">
+          <a:extLst>
+            <a:ext uri="{FF2B5EF4-FFF2-40B4-BE49-F238E27FC236}">
               <a16:creationId xmlns:a16="http://schemas.microsoft.com/office/drawing/2014/main" id="{5624AB11-56DB-4675-F5FF-AD2F48274305}"/>
             </a:ext>
           </a:extLst>
@@ -1025,7 +1209,7 @@
           <a:p>
             <a:fld id="{B99BEC60-B781-4BC8-A7BD-9914EA908A8F}" type="slidenum">
               <a:rPr lang="it-IT" smtClean="0"/>
-              <a:t>12</a:t>
+              <a:t>13</a:t>
             </a:fld>
             <a:endParaRPr lang="it-IT"/>
           </a:p>
@@ -1044,7 +1228,7 @@
 </p:notes>
 </file>
 
-<file path=ppt/notesSlides/notesSlide13.xml><?xml version="1.0" encoding="utf-8"?>
+<file path=ppt/notesSlides/notesSlide14.xml><?xml version="1.0" encoding="utf-8"?>
 <p:notes xmlns:a="http://schemas.openxmlformats.org/drawingml/2006/main" xmlns:r="http://schemas.openxmlformats.org/officeDocument/2006/relationships" xmlns:p="http://schemas.openxmlformats.org/presentationml/2006/main">
   <p:cSld>
     <p:spTree>
@@ -1168,7 +1352,7 @@
           <a:p>
             <a:fld id="{B99BEC60-B781-4BC8-A7BD-9914EA908A8F}" type="slidenum">
               <a:rPr lang="it-IT" smtClean="0"/>
-              <a:t>13</a:t>
+              <a:t>14</a:t>
             </a:fld>
             <a:endParaRPr lang="it-IT"/>
           </a:p>
@@ -1187,7 +1371,7 @@
 </p:notes>
 </file>
 
-<file path=ppt/notesSlides/notesSlide14.xml><?xml version="1.0" encoding="utf-8"?>
+<file path=ppt/notesSlides/notesSlide15.xml><?xml version="1.0" encoding="utf-8"?>
 <p:notes xmlns:a="http://schemas.openxmlformats.org/drawingml/2006/main" xmlns:r="http://schemas.openxmlformats.org/officeDocument/2006/relationships" xmlns:p="http://schemas.openxmlformats.org/presentationml/2006/main">
   <p:cSld>
     <p:spTree>
@@ -1319,7 +1503,7 @@
           <a:p>
             <a:fld id="{B99BEC60-B781-4BC8-A7BD-9914EA908A8F}" type="slidenum">
               <a:rPr lang="it-IT" smtClean="0"/>
-              <a:t>14</a:t>
+              <a:t>15</a:t>
             </a:fld>
             <a:endParaRPr lang="it-IT"/>
           </a:p>
@@ -1338,7 +1522,7 @@
 </p:notes>
 </file>
 
-<file path=ppt/notesSlides/notesSlide15.xml><?xml version="1.0" encoding="utf-8"?>
+<file path=ppt/notesSlides/notesSlide16.xml><?xml version="1.0" encoding="utf-8"?>
 <p:notes xmlns:a="http://schemas.openxmlformats.org/drawingml/2006/main" xmlns:r="http://schemas.openxmlformats.org/officeDocument/2006/relationships" xmlns:p="http://schemas.openxmlformats.org/presentationml/2006/main">
   <p:cSld>
     <p:spTree>
@@ -1406,7 +1590,7 @@
           <a:p>
             <a:fld id="{B99BEC60-B781-4BC8-A7BD-9914EA908A8F}" type="slidenum">
               <a:rPr lang="it-IT" smtClean="0"/>
-              <a:t>15</a:t>
+              <a:t>16</a:t>
             </a:fld>
             <a:endParaRPr lang="it-IT"/>
           </a:p>
@@ -7288,6 +7472,90 @@
           </a:prstGeom>
         </p:spPr>
       </p:pic>
+      <p:pic>
+        <p:nvPicPr>
+          <p:cNvPr id="7" name="Immagine 6" descr="Immagine che contiene testo, schermata, Carattere, numero&#10;&#10;Il contenuto generato dall'IA potrebbe non essere corretto.">
+            <a:extLst>
+              <a:ext uri="{FF2B5EF4-FFF2-40B4-BE49-F238E27FC236}">
+                <a16:creationId xmlns:a16="http://schemas.microsoft.com/office/drawing/2014/main" id="{CEFB4CA3-6671-4DFB-F872-B9D833372309}"/>
+              </a:ext>
+            </a:extLst>
+          </p:cNvPr>
+          <p:cNvPicPr>
+            <a:picLocks noChangeAspect="1"/>
+          </p:cNvPicPr>
+          <p:nvPr/>
+        </p:nvPicPr>
+        <p:blipFill>
+          <a:blip r:embed="rId5"/>
+          <a:stretch>
+            <a:fillRect/>
+          </a:stretch>
+        </p:blipFill>
+        <p:spPr>
+          <a:xfrm>
+            <a:off x="548701" y="1880529"/>
+            <a:ext cx="5534025" cy="3095625"/>
+          </a:xfrm>
+          <a:prstGeom prst="rect">
+            <a:avLst/>
+          </a:prstGeom>
+          <a:ln w="19050">
+            <a:solidFill>
+              <a:schemeClr val="tx1"/>
+            </a:solidFill>
+          </a:ln>
+          <a:effectLst>
+            <a:outerShdw blurRad="50800" dist="38100" dir="5400000" algn="t" rotWithShape="0">
+              <a:prstClr val="black">
+                <a:alpha val="40000"/>
+              </a:prstClr>
+            </a:outerShdw>
+          </a:effectLst>
+        </p:spPr>
+      </p:pic>
+      <p:pic>
+        <p:nvPicPr>
+          <p:cNvPr id="9" name="Immagine 8" descr="Immagine che contiene testo, Carattere, schermata, ricevuta&#10;&#10;Il contenuto generato dall'IA potrebbe non essere corretto.">
+            <a:extLst>
+              <a:ext uri="{FF2B5EF4-FFF2-40B4-BE49-F238E27FC236}">
+                <a16:creationId xmlns:a16="http://schemas.microsoft.com/office/drawing/2014/main" id="{C53EEF5D-15FF-DB0D-23A4-BFA9DD493CB7}"/>
+              </a:ext>
+            </a:extLst>
+          </p:cNvPr>
+          <p:cNvPicPr>
+            <a:picLocks noChangeAspect="1"/>
+          </p:cNvPicPr>
+          <p:nvPr/>
+        </p:nvPicPr>
+        <p:blipFill>
+          <a:blip r:embed="rId6"/>
+          <a:stretch>
+            <a:fillRect/>
+          </a:stretch>
+        </p:blipFill>
+        <p:spPr>
+          <a:xfrm>
+            <a:off x="6644701" y="2670390"/>
+            <a:ext cx="4909164" cy="1119228"/>
+          </a:xfrm>
+          <a:prstGeom prst="rect">
+            <a:avLst/>
+          </a:prstGeom>
+          <a:ln w="19050">
+            <a:solidFill>
+              <a:schemeClr val="tx1"/>
+            </a:solidFill>
+          </a:ln>
+          <a:effectLst>
+            <a:outerShdw blurRad="50800" dist="38100" dir="5400000" algn="t" rotWithShape="0">
+              <a:prstClr val="black">
+                <a:alpha val="40000"/>
+              </a:prstClr>
+            </a:outerShdw>
+          </a:effectLst>
+        </p:spPr>
+      </p:pic>
     </p:spTree>
     <p:extLst>
       <p:ext uri="{BB962C8B-B14F-4D97-AF65-F5344CB8AC3E}">
@@ -7302,6 +7570,265 @@
 </file>
 
 <file path=ppt/slides/slide12.xml><?xml version="1.0" encoding="utf-8"?>
+<p:sld xmlns:a="http://schemas.openxmlformats.org/drawingml/2006/main" xmlns:r="http://schemas.openxmlformats.org/officeDocument/2006/relationships" xmlns:p="http://schemas.openxmlformats.org/presentationml/2006/main">
+  <p:cSld>
+    <p:spTree>
+      <p:nvGrpSpPr>
+        <p:cNvPr id="1" name="">
+          <a:extLst>
+            <a:ext uri="{FF2B5EF4-FFF2-40B4-BE49-F238E27FC236}">
+              <a16:creationId xmlns:a16="http://schemas.microsoft.com/office/drawing/2014/main" id="{88C5F8BA-B893-11D4-31BD-32D6A6DB12C5}"/>
+            </a:ext>
+          </a:extLst>
+        </p:cNvPr>
+        <p:cNvGrpSpPr/>
+        <p:nvPr/>
+      </p:nvGrpSpPr>
+      <p:grpSpPr>
+        <a:xfrm>
+          <a:off x="0" y="0"/>
+          <a:ext cx="0" cy="0"/>
+          <a:chOff x="0" y="0"/>
+          <a:chExt cx="0" cy="0"/>
+        </a:xfrm>
+      </p:grpSpPr>
+      <p:pic>
+        <p:nvPicPr>
+          <p:cNvPr id="4" name="Immagine 3" descr="Immagine che contiene quadrato, modello, linea, Rettangolo&#10;&#10;Il contenuto generato dall'IA potrebbe non essere corretto.">
+            <a:extLst>
+              <a:ext uri="{FF2B5EF4-FFF2-40B4-BE49-F238E27FC236}">
+                <a16:creationId xmlns:a16="http://schemas.microsoft.com/office/drawing/2014/main" id="{B5146EB2-3749-6B0D-5515-35B1AA23AF08}"/>
+              </a:ext>
+            </a:extLst>
+          </p:cNvPr>
+          <p:cNvPicPr/>
+          <p:nvPr/>
+        </p:nvPicPr>
+        <p:blipFill>
+          <a:blip r:embed="rId3">
+            <a:alphaModFix amt="25000"/>
+          </a:blip>
+          <a:stretch>
+            <a:fillRect/>
+          </a:stretch>
+        </p:blipFill>
+        <p:spPr>
+          <a:xfrm>
+            <a:off x="-13274" y="-658"/>
+            <a:ext cx="12192000" cy="6858000"/>
+          </a:xfrm>
+          <a:prstGeom prst="rect">
+            <a:avLst/>
+          </a:prstGeom>
+        </p:spPr>
+      </p:pic>
+      <p:sp>
+        <p:nvSpPr>
+          <p:cNvPr id="5" name="Titolo 10">
+            <a:extLst>
+              <a:ext uri="{FF2B5EF4-FFF2-40B4-BE49-F238E27FC236}">
+                <a16:creationId xmlns:a16="http://schemas.microsoft.com/office/drawing/2014/main" id="{A0F24347-DC0B-659F-A7F0-015DE1A76BED}"/>
+              </a:ext>
+            </a:extLst>
+          </p:cNvPr>
+          <p:cNvSpPr>
+            <a:spLocks noGrp="1"/>
+          </p:cNvSpPr>
+          <p:nvPr>
+            <p:ph type="title"/>
+          </p:nvPr>
+        </p:nvSpPr>
+        <p:spPr>
+          <a:xfrm>
+            <a:off x="-13274" y="0"/>
+            <a:ext cx="12205274" cy="721895"/>
+          </a:xfrm>
+        </p:spPr>
+        <p:txBody>
+          <a:bodyPr/>
+          <a:lstStyle/>
+          <a:p>
+            <a:pPr algn="ctr"/>
+            <a:r>
+              <a:rPr lang="it-IT" sz="4000" dirty="0">
+                <a:effectLst>
+                  <a:outerShdw blurRad="38100" dist="38100" dir="2700000" algn="tl">
+                    <a:srgbClr val="000000">
+                      <a:alpha val="43137"/>
+                    </a:srgbClr>
+                  </a:outerShdw>
+                </a:effectLst>
+                <a:latin typeface="Aharoni" panose="02010803020104030203" pitchFamily="2" charset="-79"/>
+                <a:cs typeface="Aharoni" panose="02010803020104030203" pitchFamily="2" charset="-79"/>
+              </a:rPr>
+              <a:t>VALUTAZIONE E METRICHE</a:t>
+            </a:r>
+          </a:p>
+        </p:txBody>
+      </p:sp>
+      <p:sp>
+        <p:nvSpPr>
+          <p:cNvPr id="2" name="Segnaposto numero diapositiva 1">
+            <a:extLst>
+              <a:ext uri="{FF2B5EF4-FFF2-40B4-BE49-F238E27FC236}">
+                <a16:creationId xmlns:a16="http://schemas.microsoft.com/office/drawing/2014/main" id="{3590EECE-55AC-249D-FD5B-92483D77053C}"/>
+              </a:ext>
+            </a:extLst>
+          </p:cNvPr>
+          <p:cNvSpPr>
+            <a:spLocks noGrp="1"/>
+          </p:cNvSpPr>
+          <p:nvPr>
+            <p:ph type="sldNum" sz="quarter" idx="12"/>
+          </p:nvPr>
+        </p:nvSpPr>
+        <p:spPr/>
+        <p:txBody>
+          <a:bodyPr/>
+          <a:lstStyle/>
+          <a:p>
+            <a:fld id="{D0EFE350-E4FF-43F1-9343-8DDB4FE36F79}" type="slidenum">
+              <a:rPr lang="it-IT" smtClean="0"/>
+              <a:t>12</a:t>
+            </a:fld>
+            <a:endParaRPr lang="it-IT"/>
+          </a:p>
+        </p:txBody>
+      </p:sp>
+      <p:pic>
+        <p:nvPicPr>
+          <p:cNvPr id="6" name="Immagine 5" descr="Immagine che contiene Elementi grafici, schermata, grafica, Policromia&#10;&#10;Il contenuto generato dall'IA potrebbe non essere corretto.">
+            <a:extLst>
+              <a:ext uri="{FF2B5EF4-FFF2-40B4-BE49-F238E27FC236}">
+                <a16:creationId xmlns:a16="http://schemas.microsoft.com/office/drawing/2014/main" id="{A96F19E9-A8DE-169C-FEB2-4C17313FA8FD}"/>
+              </a:ext>
+            </a:extLst>
+          </p:cNvPr>
+          <p:cNvPicPr>
+            <a:picLocks noChangeAspect="1"/>
+          </p:cNvPicPr>
+          <p:nvPr/>
+        </p:nvPicPr>
+        <p:blipFill>
+          <a:blip r:embed="rId4">
+            <a:extLst>
+              <a:ext uri="{28A0092B-C50C-407E-A947-70E740481C1C}">
+                <a14:useLocalDpi xmlns:a14="http://schemas.microsoft.com/office/drawing/2010/main" val="0"/>
+              </a:ext>
+            </a:extLst>
+          </a:blip>
+          <a:stretch>
+            <a:fillRect/>
+          </a:stretch>
+        </p:blipFill>
+        <p:spPr>
+          <a:xfrm>
+            <a:off x="9419081" y="111304"/>
+            <a:ext cx="452350" cy="452350"/>
+          </a:xfrm>
+          <a:prstGeom prst="rect">
+            <a:avLst/>
+          </a:prstGeom>
+        </p:spPr>
+      </p:pic>
+      <p:pic>
+        <p:nvPicPr>
+          <p:cNvPr id="8" name="Immagine 7" descr="Immagine che contiene testo, Diagramma, diagramma, schermata&#10;&#10;Il contenuto generato dall'IA potrebbe non essere corretto.">
+            <a:extLst>
+              <a:ext uri="{FF2B5EF4-FFF2-40B4-BE49-F238E27FC236}">
+                <a16:creationId xmlns:a16="http://schemas.microsoft.com/office/drawing/2014/main" id="{BFF5D372-37DD-EB71-E20E-303D74A43E4B}"/>
+              </a:ext>
+            </a:extLst>
+          </p:cNvPr>
+          <p:cNvPicPr>
+            <a:picLocks noChangeAspect="1"/>
+          </p:cNvPicPr>
+          <p:nvPr/>
+        </p:nvPicPr>
+        <p:blipFill>
+          <a:blip r:embed="rId5"/>
+          <a:stretch>
+            <a:fillRect/>
+          </a:stretch>
+        </p:blipFill>
+        <p:spPr>
+          <a:xfrm>
+            <a:off x="247407" y="1051263"/>
+            <a:ext cx="5678960" cy="4271447"/>
+          </a:xfrm>
+          <a:prstGeom prst="rect">
+            <a:avLst/>
+          </a:prstGeom>
+          <a:ln w="19050">
+            <a:solidFill>
+              <a:schemeClr val="tx1"/>
+            </a:solidFill>
+          </a:ln>
+          <a:effectLst>
+            <a:outerShdw blurRad="50800" dist="38100" dir="5400000" algn="t" rotWithShape="0">
+              <a:prstClr val="black">
+                <a:alpha val="40000"/>
+              </a:prstClr>
+            </a:outerShdw>
+          </a:effectLst>
+        </p:spPr>
+      </p:pic>
+      <p:pic>
+        <p:nvPicPr>
+          <p:cNvPr id="11" name="Immagine 10" descr="Immagine che contiene testo, diagramma, Diagramma, schermata&#10;&#10;Il contenuto generato dall'IA potrebbe non essere corretto.">
+            <a:extLst>
+              <a:ext uri="{FF2B5EF4-FFF2-40B4-BE49-F238E27FC236}">
+                <a16:creationId xmlns:a16="http://schemas.microsoft.com/office/drawing/2014/main" id="{F95AAF54-01FE-6931-E376-ECE21E8F9947}"/>
+              </a:ext>
+            </a:extLst>
+          </p:cNvPr>
+          <p:cNvPicPr>
+            <a:picLocks noChangeAspect="1"/>
+          </p:cNvPicPr>
+          <p:nvPr/>
+        </p:nvPicPr>
+        <p:blipFill>
+          <a:blip r:embed="rId6"/>
+          <a:stretch>
+            <a:fillRect/>
+          </a:stretch>
+        </p:blipFill>
+        <p:spPr>
+          <a:xfrm>
+            <a:off x="6265633" y="1043073"/>
+            <a:ext cx="5678960" cy="4279637"/>
+          </a:xfrm>
+          <a:prstGeom prst="rect">
+            <a:avLst/>
+          </a:prstGeom>
+          <a:ln w="19050">
+            <a:solidFill>
+              <a:schemeClr val="tx1"/>
+            </a:solidFill>
+          </a:ln>
+          <a:effectLst>
+            <a:outerShdw blurRad="50800" dist="38100" dir="5400000" algn="t" rotWithShape="0">
+              <a:prstClr val="black">
+                <a:alpha val="40000"/>
+              </a:prstClr>
+            </a:outerShdw>
+          </a:effectLst>
+        </p:spPr>
+      </p:pic>
+    </p:spTree>
+    <p:extLst>
+      <p:ext uri="{BB962C8B-B14F-4D97-AF65-F5344CB8AC3E}">
+        <p14:creationId xmlns:p14="http://schemas.microsoft.com/office/powerpoint/2010/main" val="2543713830"/>
+      </p:ext>
+    </p:extLst>
+  </p:cSld>
+  <p:clrMapOvr>
+    <a:masterClrMapping/>
+  </p:clrMapOvr>
+</p:sld>
+</file>
+
+<file path=ppt/slides/slide13.xml><?xml version="1.0" encoding="utf-8"?>
 <p:sld xmlns:a="http://schemas.openxmlformats.org/drawingml/2006/main" xmlns:r="http://schemas.openxmlformats.org/officeDocument/2006/relationships" xmlns:p="http://schemas.openxmlformats.org/presentationml/2006/main">
   <p:cSld>
     <p:spTree>
@@ -7421,7 +7948,7 @@
           <a:p>
             <a:fld id="{D0EFE350-E4FF-43F1-9343-8DDB4FE36F79}" type="slidenum">
               <a:rPr lang="it-IT" smtClean="0"/>
-              <a:t>12</a:t>
+              <a:t>13</a:t>
             </a:fld>
             <a:endParaRPr lang="it-IT"/>
           </a:p>
@@ -7560,7 +8087,7 @@
 </p:sld>
 </file>
 
-<file path=ppt/slides/slide13.xml><?xml version="1.0" encoding="utf-8"?>
+<file path=ppt/slides/slide14.xml><?xml version="1.0" encoding="utf-8"?>
 <p:sld xmlns:a="http://schemas.openxmlformats.org/drawingml/2006/main" xmlns:r="http://schemas.openxmlformats.org/officeDocument/2006/relationships" xmlns:p="http://schemas.openxmlformats.org/presentationml/2006/main">
   <p:cSld>
     <p:spTree>
@@ -7680,7 +8207,7 @@
           <a:p>
             <a:fld id="{D0EFE350-E4FF-43F1-9343-8DDB4FE36F79}" type="slidenum">
               <a:rPr lang="it-IT" smtClean="0"/>
-              <a:t>13</a:t>
+              <a:t>14</a:t>
             </a:fld>
             <a:endParaRPr lang="it-IT"/>
           </a:p>
@@ -8080,7 +8607,7 @@
 </p:sld>
 </file>
 
-<file path=ppt/slides/slide14.xml><?xml version="1.0" encoding="utf-8"?>
+<file path=ppt/slides/slide15.xml><?xml version="1.0" encoding="utf-8"?>
 <p:sld xmlns:a="http://schemas.openxmlformats.org/drawingml/2006/main" xmlns:r="http://schemas.openxmlformats.org/officeDocument/2006/relationships" xmlns:p="http://schemas.openxmlformats.org/presentationml/2006/main">
   <p:cSld>
     <p:spTree>
@@ -8200,7 +8727,7 @@
           <a:p>
             <a:fld id="{D0EFE350-E4FF-43F1-9343-8DDB4FE36F79}" type="slidenum">
               <a:rPr lang="it-IT" smtClean="0"/>
-              <a:t>14</a:t>
+              <a:t>15</a:t>
             </a:fld>
             <a:endParaRPr lang="it-IT"/>
           </a:p>
@@ -8576,7 +9103,7 @@
 </p:sld>
 </file>
 
-<file path=ppt/slides/slide15.xml><?xml version="1.0" encoding="utf-8"?>
+<file path=ppt/slides/slide16.xml><?xml version="1.0" encoding="utf-8"?>
 <p:sld xmlns:a="http://schemas.openxmlformats.org/drawingml/2006/main" xmlns:r="http://schemas.openxmlformats.org/officeDocument/2006/relationships" xmlns:p="http://schemas.openxmlformats.org/presentationml/2006/main">
   <p:cSld>
     <p:spTree>
@@ -8765,7 +9292,7 @@
           <a:p>
             <a:fld id="{D0EFE350-E4FF-43F1-9343-8DDB4FE36F79}" type="slidenum">
               <a:rPr lang="it-IT" smtClean="0"/>
-              <a:t>15</a:t>
+              <a:t>16</a:t>
             </a:fld>
             <a:endParaRPr lang="it-IT" dirty="0"/>
           </a:p>
